--- a/formcheckpp/Dummy data/Dummy_pp.pptx
+++ b/formcheckpp/Dummy data/Dummy_pp.pptx
@@ -5925,19 +5925,7 @@
                 <a:ea typeface="+mn-ea"/>
                 <a:cs typeface="+mn-cs"/>
               </a:rPr>
-              <a:t>送</a:t>
-            </a:r>
-            <a:r>
-              <a:rPr lang="ja-JP" altLang="en-US" sz="1800" b="0" i="0" kern="1200">
-                <a:solidFill>
-                  <a:schemeClr val="tx1"/>
-                </a:solidFill>
-                <a:effectLst/>
-                <a:latin typeface="+mn-lt"/>
-                <a:ea typeface="+mn-ea"/>
-                <a:cs typeface="+mn-cs"/>
-              </a:rPr>
-              <a:t>り仮名</a:t>
+              <a:t>送り仮名</a:t>
             </a:r>
             <a:endParaRPr lang="en-US" dirty="0"/>
           </a:p>
@@ -6172,7 +6160,7 @@
         <p:spPr>
           <a:xfrm>
             <a:off x="9708991" y="5461867"/>
-            <a:ext cx="1837974" cy="369332"/>
+            <a:ext cx="1508358" cy="369332"/>
           </a:xfrm>
           <a:prstGeom prst="rect">
             <a:avLst/>
@@ -6221,14 +6209,14 @@
           </p:cNvPr>
           <p:cNvCxnSpPr>
             <a:cxnSpLocks/>
-            <a:stCxn id="25" idx="1"/>
+            <a:stCxn id="25" idx="3"/>
           </p:cNvCxnSpPr>
           <p:nvPr/>
         </p:nvCxnSpPr>
         <p:spPr>
           <a:xfrm flipH="1" flipV="1">
-            <a:off x="7647127" y="5431799"/>
-            <a:ext cx="2061864" cy="214734"/>
+            <a:off x="10877107" y="4922874"/>
+            <a:ext cx="340242" cy="723659"/>
           </a:xfrm>
           <a:prstGeom prst="straightConnector1">
             <a:avLst/>
@@ -6252,58 +6240,6 @@
           </a:fontRef>
         </p:style>
       </p:cxnSp>
-      <p:sp>
-        <p:nvSpPr>
-          <p:cNvPr id="31" name="TextBox 30">
-            <a:extLst>
-              <a:ext uri="{FF2B5EF4-FFF2-40B4-BE49-F238E27FC236}">
-                <a16:creationId xmlns:a16="http://schemas.microsoft.com/office/drawing/2014/main" id="{E2A01779-78B5-48AE-912E-61D5667B76B9}"/>
-              </a:ext>
-            </a:extLst>
-          </p:cNvPr>
-          <p:cNvSpPr txBox="1"/>
-          <p:nvPr/>
-        </p:nvSpPr>
-        <p:spPr>
-          <a:xfrm>
-            <a:off x="4076558" y="6088167"/>
-            <a:ext cx="1236622" cy="369332"/>
-          </a:xfrm>
-          <a:prstGeom prst="rect">
-            <a:avLst/>
-          </a:prstGeom>
-          <a:noFill/>
-        </p:spPr>
-        <p:txBody>
-          <a:bodyPr wrap="square" rtlCol="0">
-            <a:spAutoFit/>
-          </a:bodyPr>
-          <a:lstStyle/>
-          <a:p>
-            <a:pPr marL="0" marR="0" lvl="0" indent="0" algn="l" defTabSz="914400" rtl="0" eaLnBrk="1" fontAlgn="auto" latinLnBrk="0" hangingPunct="1">
-              <a:lnSpc>
-                <a:spcPct val="100000"/>
-              </a:lnSpc>
-              <a:spcBef>
-                <a:spcPts val="0"/>
-              </a:spcBef>
-              <a:spcAft>
-                <a:spcPts val="0"/>
-              </a:spcAft>
-              <a:buClrTx/>
-              <a:buSzTx/>
-              <a:buFontTx/>
-              <a:buNone/>
-              <a:tabLst/>
-              <a:defRPr/>
-            </a:pPr>
-            <a:r>
-              <a:rPr lang="en-US" dirty="0"/>
-              <a:t>Part-Nine</a:t>
-            </a:r>
-          </a:p>
-        </p:txBody>
-      </p:sp>
       <p:cxnSp>
         <p:nvCxnSpPr>
           <p:cNvPr id="32" name="Straight Arrow Connector 31">
@@ -6315,7 +6251,6 @@
           </p:cNvPr>
           <p:cNvCxnSpPr>
             <a:cxnSpLocks/>
-            <a:stCxn id="31" idx="3"/>
           </p:cNvCxnSpPr>
           <p:nvPr/>
         </p:nvCxnSpPr>
@@ -6346,6 +6281,58 @@
           </a:fontRef>
         </p:style>
       </p:cxnSp>
+      <p:sp>
+        <p:nvSpPr>
+          <p:cNvPr id="33" name="TextBox 32">
+            <a:extLst>
+              <a:ext uri="{FF2B5EF4-FFF2-40B4-BE49-F238E27FC236}">
+                <a16:creationId xmlns:a16="http://schemas.microsoft.com/office/drawing/2014/main" id="{7EE8EEA7-FE8E-480B-8A42-6085DD840B17}"/>
+              </a:ext>
+            </a:extLst>
+          </p:cNvPr>
+          <p:cNvSpPr txBox="1"/>
+          <p:nvPr/>
+        </p:nvSpPr>
+        <p:spPr>
+          <a:xfrm>
+            <a:off x="2496385" y="6055369"/>
+            <a:ext cx="1236622" cy="369332"/>
+          </a:xfrm>
+          <a:prstGeom prst="rect">
+            <a:avLst/>
+          </a:prstGeom>
+          <a:noFill/>
+        </p:spPr>
+        <p:txBody>
+          <a:bodyPr wrap="square" rtlCol="0">
+            <a:spAutoFit/>
+          </a:bodyPr>
+          <a:lstStyle/>
+          <a:p>
+            <a:pPr marL="0" marR="0" lvl="0" indent="0" algn="l" defTabSz="914400" rtl="0" eaLnBrk="1" fontAlgn="auto" latinLnBrk="0" hangingPunct="1">
+              <a:lnSpc>
+                <a:spcPct val="100000"/>
+              </a:lnSpc>
+              <a:spcBef>
+                <a:spcPts val="0"/>
+              </a:spcBef>
+              <a:spcAft>
+                <a:spcPts val="0"/>
+              </a:spcAft>
+              <a:buClrTx/>
+              <a:buSzTx/>
+              <a:buFontTx/>
+              <a:buNone/>
+              <a:tabLst/>
+              <a:defRPr/>
+            </a:pPr>
+            <a:r>
+              <a:rPr lang="en-US" dirty="0"/>
+              <a:t>Part-Nine</a:t>
+            </a:r>
+          </a:p>
+        </p:txBody>
+      </p:sp>
     </p:spTree>
     <p:extLst>
       <p:ext uri="{BB962C8B-B14F-4D97-AF65-F5344CB8AC3E}">
